--- a/2022년 9월 8일 메타버스.pptx
+++ b/2022년 9월 8일 메타버스.pptx
@@ -118,7 +118,7 @@
   </p:defaultTextStyle>
   <p:extLst>
     <p:ext uri="{EFAFB233-063F-42B5-8137-9DF3F51BA10A}">
-      <p15:sldGuideLst xmlns:p15="http://schemas.microsoft.com/office/powerpoint/2012/main" xmlns="">
+      <p15:sldGuideLst xmlns="" xmlns:p15="http://schemas.microsoft.com/office/powerpoint/2012/main">
         <p15:guide id="1" orient="horz" pos="2160" userDrawn="1">
           <p15:clr>
             <a:srgbClr val="A4A3A4"/>
@@ -432,7 +432,7 @@
     </p:spTree>
     <p:extLst>
       <p:ext uri="{BB962C8B-B14F-4D97-AF65-F5344CB8AC3E}">
-        <p14:creationId xmlns:p14="http://schemas.microsoft.com/office/powerpoint/2010/main" xmlns="" val="1498810409"/>
+        <p14:creationId xmlns="" xmlns:p14="http://schemas.microsoft.com/office/powerpoint/2010/main" val="1498810409"/>
       </p:ext>
     </p:extLst>
   </p:cSld>
@@ -554,7 +554,7 @@
           <p:cNvPr id="2" name="제목 1">
             <a:extLst>
               <a:ext uri="{FF2B5EF4-FFF2-40B4-BE49-F238E27FC236}">
-                <a16:creationId xmlns:a16="http://schemas.microsoft.com/office/drawing/2014/main" xmlns="" id="{D21D6D92-C733-1642-8A21-5EECDE35E1A0}"/>
+                <a16:creationId xmlns="" xmlns:a16="http://schemas.microsoft.com/office/drawing/2014/main" id="{D21D6D92-C733-1642-8A21-5EECDE35E1A0}"/>
               </a:ext>
             </a:extLst>
           </p:cNvPr>
@@ -595,7 +595,7 @@
           <p:cNvPr id="3" name="부제목 2">
             <a:extLst>
               <a:ext uri="{FF2B5EF4-FFF2-40B4-BE49-F238E27FC236}">
-                <a16:creationId xmlns:a16="http://schemas.microsoft.com/office/drawing/2014/main" xmlns="" id="{734DE295-A08A-214D-9CBE-5ED378EB32DB}"/>
+                <a16:creationId xmlns="" xmlns:a16="http://schemas.microsoft.com/office/drawing/2014/main" id="{734DE295-A08A-214D-9CBE-5ED378EB32DB}"/>
               </a:ext>
             </a:extLst>
           </p:cNvPr>
@@ -669,7 +669,7 @@
           <p:cNvPr id="4" name="날짜 개체 틀 3">
             <a:extLst>
               <a:ext uri="{FF2B5EF4-FFF2-40B4-BE49-F238E27FC236}">
-                <a16:creationId xmlns:a16="http://schemas.microsoft.com/office/drawing/2014/main" xmlns="" id="{E1CC0D3A-BA10-FC46-9C9F-8A47BEDD4F96}"/>
+                <a16:creationId xmlns="" xmlns:a16="http://schemas.microsoft.com/office/drawing/2014/main" id="{E1CC0D3A-BA10-FC46-9C9F-8A47BEDD4F96}"/>
               </a:ext>
             </a:extLst>
           </p:cNvPr>
@@ -707,7 +707,7 @@
           <p:cNvPr id="5" name="바닥글 개체 틀 4">
             <a:extLst>
               <a:ext uri="{FF2B5EF4-FFF2-40B4-BE49-F238E27FC236}">
-                <a16:creationId xmlns:a16="http://schemas.microsoft.com/office/drawing/2014/main" xmlns="" id="{37FE8601-FB8B-9342-AE5B-89A3E0439C70}"/>
+                <a16:creationId xmlns="" xmlns:a16="http://schemas.microsoft.com/office/drawing/2014/main" id="{37FE8601-FB8B-9342-AE5B-89A3E0439C70}"/>
               </a:ext>
             </a:extLst>
           </p:cNvPr>
@@ -740,7 +740,7 @@
           <p:cNvPr id="6" name="슬라이드 번호 개체 틀 5">
             <a:extLst>
               <a:ext uri="{FF2B5EF4-FFF2-40B4-BE49-F238E27FC236}">
-                <a16:creationId xmlns:a16="http://schemas.microsoft.com/office/drawing/2014/main" xmlns="" id="{ED058E05-17A3-BF45-B0DA-D60B846DFB4B}"/>
+                <a16:creationId xmlns="" xmlns:a16="http://schemas.microsoft.com/office/drawing/2014/main" id="{ED058E05-17A3-BF45-B0DA-D60B846DFB4B}"/>
               </a:ext>
             </a:extLst>
           </p:cNvPr>
@@ -776,7 +776,7 @@
     </p:spTree>
     <p:extLst>
       <p:ext uri="{BB962C8B-B14F-4D97-AF65-F5344CB8AC3E}">
-        <p14:creationId xmlns:p14="http://schemas.microsoft.com/office/powerpoint/2010/main" xmlns="" val="12081050"/>
+        <p14:creationId xmlns="" xmlns:p14="http://schemas.microsoft.com/office/powerpoint/2010/main" val="12081050"/>
       </p:ext>
     </p:extLst>
   </p:cSld>
@@ -808,7 +808,7 @@
           <p:cNvPr id="2" name="제목 1">
             <a:extLst>
               <a:ext uri="{FF2B5EF4-FFF2-40B4-BE49-F238E27FC236}">
-                <a16:creationId xmlns:a16="http://schemas.microsoft.com/office/drawing/2014/main" xmlns="" id="{674D90CD-0454-2C43-94B9-D70BD947A5C4}"/>
+                <a16:creationId xmlns="" xmlns:a16="http://schemas.microsoft.com/office/drawing/2014/main" id="{674D90CD-0454-2C43-94B9-D70BD947A5C4}"/>
               </a:ext>
             </a:extLst>
           </p:cNvPr>
@@ -845,7 +845,7 @@
           <p:cNvPr id="3" name="세로 텍스트 개체 틀 2">
             <a:extLst>
               <a:ext uri="{FF2B5EF4-FFF2-40B4-BE49-F238E27FC236}">
-                <a16:creationId xmlns:a16="http://schemas.microsoft.com/office/drawing/2014/main" xmlns="" id="{858A2CB1-9A70-A542-8270-D9FCD307C6A0}"/>
+                <a16:creationId xmlns="" xmlns:a16="http://schemas.microsoft.com/office/drawing/2014/main" id="{858A2CB1-9A70-A542-8270-D9FCD307C6A0}"/>
               </a:ext>
             </a:extLst>
           </p:cNvPr>
@@ -911,7 +911,7 @@
           <p:cNvPr id="4" name="날짜 개체 틀 3">
             <a:extLst>
               <a:ext uri="{FF2B5EF4-FFF2-40B4-BE49-F238E27FC236}">
-                <a16:creationId xmlns:a16="http://schemas.microsoft.com/office/drawing/2014/main" xmlns="" id="{166ECFFA-44BE-5742-8DF8-D72529A7E041}"/>
+                <a16:creationId xmlns="" xmlns:a16="http://schemas.microsoft.com/office/drawing/2014/main" id="{166ECFFA-44BE-5742-8DF8-D72529A7E041}"/>
               </a:ext>
             </a:extLst>
           </p:cNvPr>
@@ -949,7 +949,7 @@
           <p:cNvPr id="5" name="바닥글 개체 틀 4">
             <a:extLst>
               <a:ext uri="{FF2B5EF4-FFF2-40B4-BE49-F238E27FC236}">
-                <a16:creationId xmlns:a16="http://schemas.microsoft.com/office/drawing/2014/main" xmlns="" id="{90AA712B-F4A3-9548-8006-8C6A33136989}"/>
+                <a16:creationId xmlns="" xmlns:a16="http://schemas.microsoft.com/office/drawing/2014/main" id="{90AA712B-F4A3-9548-8006-8C6A33136989}"/>
               </a:ext>
             </a:extLst>
           </p:cNvPr>
@@ -982,7 +982,7 @@
           <p:cNvPr id="6" name="슬라이드 번호 개체 틀 5">
             <a:extLst>
               <a:ext uri="{FF2B5EF4-FFF2-40B4-BE49-F238E27FC236}">
-                <a16:creationId xmlns:a16="http://schemas.microsoft.com/office/drawing/2014/main" xmlns="" id="{E78572B2-8B03-ED42-831C-7E5F3A7C35D7}"/>
+                <a16:creationId xmlns="" xmlns:a16="http://schemas.microsoft.com/office/drawing/2014/main" id="{E78572B2-8B03-ED42-831C-7E5F3A7C35D7}"/>
               </a:ext>
             </a:extLst>
           </p:cNvPr>
@@ -1018,7 +1018,7 @@
     </p:spTree>
     <p:extLst>
       <p:ext uri="{BB962C8B-B14F-4D97-AF65-F5344CB8AC3E}">
-        <p14:creationId xmlns:p14="http://schemas.microsoft.com/office/powerpoint/2010/main" xmlns="" val="2426936385"/>
+        <p14:creationId xmlns="" xmlns:p14="http://schemas.microsoft.com/office/powerpoint/2010/main" val="2426936385"/>
       </p:ext>
     </p:extLst>
   </p:cSld>
@@ -1050,7 +1050,7 @@
           <p:cNvPr id="2" name="세로 제목 1">
             <a:extLst>
               <a:ext uri="{FF2B5EF4-FFF2-40B4-BE49-F238E27FC236}">
-                <a16:creationId xmlns:a16="http://schemas.microsoft.com/office/drawing/2014/main" xmlns="" id="{33DB958B-9F52-5047-BA9C-CCD563B56D7B}"/>
+                <a16:creationId xmlns="" xmlns:a16="http://schemas.microsoft.com/office/drawing/2014/main" id="{33DB958B-9F52-5047-BA9C-CCD563B56D7B}"/>
               </a:ext>
             </a:extLst>
           </p:cNvPr>
@@ -1087,7 +1087,7 @@
           <p:cNvPr id="3" name="세로 텍스트 개체 틀 2">
             <a:extLst>
               <a:ext uri="{FF2B5EF4-FFF2-40B4-BE49-F238E27FC236}">
-                <a16:creationId xmlns:a16="http://schemas.microsoft.com/office/drawing/2014/main" xmlns="" id="{422964C8-EE40-014B-B029-2F0B840EE9EA}"/>
+                <a16:creationId xmlns="" xmlns:a16="http://schemas.microsoft.com/office/drawing/2014/main" id="{422964C8-EE40-014B-B029-2F0B840EE9EA}"/>
               </a:ext>
             </a:extLst>
           </p:cNvPr>
@@ -1153,7 +1153,7 @@
           <p:cNvPr id="4" name="날짜 개체 틀 3">
             <a:extLst>
               <a:ext uri="{FF2B5EF4-FFF2-40B4-BE49-F238E27FC236}">
-                <a16:creationId xmlns:a16="http://schemas.microsoft.com/office/drawing/2014/main" xmlns="" id="{5B4F3365-A4A2-264C-945A-DCBA1B6E6593}"/>
+                <a16:creationId xmlns="" xmlns:a16="http://schemas.microsoft.com/office/drawing/2014/main" id="{5B4F3365-A4A2-264C-945A-DCBA1B6E6593}"/>
               </a:ext>
             </a:extLst>
           </p:cNvPr>
@@ -1191,7 +1191,7 @@
           <p:cNvPr id="5" name="바닥글 개체 틀 4">
             <a:extLst>
               <a:ext uri="{FF2B5EF4-FFF2-40B4-BE49-F238E27FC236}">
-                <a16:creationId xmlns:a16="http://schemas.microsoft.com/office/drawing/2014/main" xmlns="" id="{3A3C17BB-7479-F74C-8605-96575BDE0D82}"/>
+                <a16:creationId xmlns="" xmlns:a16="http://schemas.microsoft.com/office/drawing/2014/main" id="{3A3C17BB-7479-F74C-8605-96575BDE0D82}"/>
               </a:ext>
             </a:extLst>
           </p:cNvPr>
@@ -1224,7 +1224,7 @@
           <p:cNvPr id="6" name="슬라이드 번호 개체 틀 5">
             <a:extLst>
               <a:ext uri="{FF2B5EF4-FFF2-40B4-BE49-F238E27FC236}">
-                <a16:creationId xmlns:a16="http://schemas.microsoft.com/office/drawing/2014/main" xmlns="" id="{C4511452-4FD6-374E-9D80-EE209AA3E840}"/>
+                <a16:creationId xmlns="" xmlns:a16="http://schemas.microsoft.com/office/drawing/2014/main" id="{C4511452-4FD6-374E-9D80-EE209AA3E840}"/>
               </a:ext>
             </a:extLst>
           </p:cNvPr>
@@ -1260,7 +1260,7 @@
     </p:spTree>
     <p:extLst>
       <p:ext uri="{BB962C8B-B14F-4D97-AF65-F5344CB8AC3E}">
-        <p14:creationId xmlns:p14="http://schemas.microsoft.com/office/powerpoint/2010/main" xmlns="" val="3521214391"/>
+        <p14:creationId xmlns="" xmlns:p14="http://schemas.microsoft.com/office/powerpoint/2010/main" val="3521214391"/>
       </p:ext>
     </p:extLst>
   </p:cSld>
@@ -1442,7 +1442,7 @@
     </p:spTree>
     <p:extLst>
       <p:ext uri="{BB962C8B-B14F-4D97-AF65-F5344CB8AC3E}">
-        <p14:creationId xmlns:p14="http://schemas.microsoft.com/office/powerpoint/2010/main" xmlns="" val="2232792096"/>
+        <p14:creationId xmlns="" xmlns:p14="http://schemas.microsoft.com/office/powerpoint/2010/main" val="2232792096"/>
       </p:ext>
     </p:extLst>
   </p:cSld>
@@ -1474,7 +1474,7 @@
           <p:cNvPr id="2" name="제목 1">
             <a:extLst>
               <a:ext uri="{FF2B5EF4-FFF2-40B4-BE49-F238E27FC236}">
-                <a16:creationId xmlns:a16="http://schemas.microsoft.com/office/drawing/2014/main" xmlns="" id="{0013328A-F6B8-9340-A6CF-F201493A3506}"/>
+                <a16:creationId xmlns="" xmlns:a16="http://schemas.microsoft.com/office/drawing/2014/main" id="{0013328A-F6B8-9340-A6CF-F201493A3506}"/>
               </a:ext>
             </a:extLst>
           </p:cNvPr>
@@ -1511,7 +1511,7 @@
           <p:cNvPr id="3" name="내용 개체 틀 2">
             <a:extLst>
               <a:ext uri="{FF2B5EF4-FFF2-40B4-BE49-F238E27FC236}">
-                <a16:creationId xmlns:a16="http://schemas.microsoft.com/office/drawing/2014/main" xmlns="" id="{6ABED714-468C-514D-AD3B-7F3757A85B56}"/>
+                <a16:creationId xmlns="" xmlns:a16="http://schemas.microsoft.com/office/drawing/2014/main" id="{6ABED714-468C-514D-AD3B-7F3757A85B56}"/>
               </a:ext>
             </a:extLst>
           </p:cNvPr>
@@ -1577,7 +1577,7 @@
           <p:cNvPr id="9" name="바닥글 개체 틀 4">
             <a:extLst>
               <a:ext uri="{FF2B5EF4-FFF2-40B4-BE49-F238E27FC236}">
-                <a16:creationId xmlns:a16="http://schemas.microsoft.com/office/drawing/2014/main" xmlns="" id="{941514A0-0E2E-BA46-AF02-70942E3A9028}"/>
+                <a16:creationId xmlns="" xmlns:a16="http://schemas.microsoft.com/office/drawing/2014/main" id="{941514A0-0E2E-BA46-AF02-70942E3A9028}"/>
               </a:ext>
             </a:extLst>
           </p:cNvPr>
@@ -1762,7 +1762,7 @@
           <p:cNvPr id="12" name="바닥글 개체 틀 4">
             <a:extLst>
               <a:ext uri="{FF2B5EF4-FFF2-40B4-BE49-F238E27FC236}">
-                <a16:creationId xmlns:a16="http://schemas.microsoft.com/office/drawing/2014/main" xmlns="" id="{A1B7307E-0CA1-F649-9850-0C58E51E42FD}"/>
+                <a16:creationId xmlns="" xmlns:a16="http://schemas.microsoft.com/office/drawing/2014/main" id="{A1B7307E-0CA1-F649-9850-0C58E51E42FD}"/>
               </a:ext>
             </a:extLst>
           </p:cNvPr>
@@ -1909,7 +1909,7 @@
     </p:spTree>
     <p:extLst>
       <p:ext uri="{BB962C8B-B14F-4D97-AF65-F5344CB8AC3E}">
-        <p14:creationId xmlns:p14="http://schemas.microsoft.com/office/powerpoint/2010/main" xmlns="" val="1946730765"/>
+        <p14:creationId xmlns="" xmlns:p14="http://schemas.microsoft.com/office/powerpoint/2010/main" val="1946730765"/>
       </p:ext>
     </p:extLst>
   </p:cSld>
@@ -1941,7 +1941,7 @@
           <p:cNvPr id="2" name="제목 1">
             <a:extLst>
               <a:ext uri="{FF2B5EF4-FFF2-40B4-BE49-F238E27FC236}">
-                <a16:creationId xmlns:a16="http://schemas.microsoft.com/office/drawing/2014/main" xmlns="" id="{A4A4847D-5BB9-3945-B766-0EADB962F3FB}"/>
+                <a16:creationId xmlns="" xmlns:a16="http://schemas.microsoft.com/office/drawing/2014/main" id="{A4A4847D-5BB9-3945-B766-0EADB962F3FB}"/>
               </a:ext>
             </a:extLst>
           </p:cNvPr>
@@ -1982,7 +1982,7 @@
           <p:cNvPr id="3" name="텍스트 개체 틀 2">
             <a:extLst>
               <a:ext uri="{FF2B5EF4-FFF2-40B4-BE49-F238E27FC236}">
-                <a16:creationId xmlns:a16="http://schemas.microsoft.com/office/drawing/2014/main" xmlns="" id="{DA1BB496-D39C-A348-B1C7-B386FFA317AC}"/>
+                <a16:creationId xmlns="" xmlns:a16="http://schemas.microsoft.com/office/drawing/2014/main" id="{DA1BB496-D39C-A348-B1C7-B386FFA317AC}"/>
               </a:ext>
             </a:extLst>
           </p:cNvPr>
@@ -2110,7 +2110,7 @@
           <p:cNvPr id="4" name="날짜 개체 틀 3">
             <a:extLst>
               <a:ext uri="{FF2B5EF4-FFF2-40B4-BE49-F238E27FC236}">
-                <a16:creationId xmlns:a16="http://schemas.microsoft.com/office/drawing/2014/main" xmlns="" id="{CA45830F-5288-AD4A-A2E0-37872AD0746F}"/>
+                <a16:creationId xmlns="" xmlns:a16="http://schemas.microsoft.com/office/drawing/2014/main" id="{CA45830F-5288-AD4A-A2E0-37872AD0746F}"/>
               </a:ext>
             </a:extLst>
           </p:cNvPr>
@@ -2148,7 +2148,7 @@
           <p:cNvPr id="5" name="바닥글 개체 틀 4">
             <a:extLst>
               <a:ext uri="{FF2B5EF4-FFF2-40B4-BE49-F238E27FC236}">
-                <a16:creationId xmlns:a16="http://schemas.microsoft.com/office/drawing/2014/main" xmlns="" id="{08FBB8B9-4371-B547-9056-9CAD36306159}"/>
+                <a16:creationId xmlns="" xmlns:a16="http://schemas.microsoft.com/office/drawing/2014/main" id="{08FBB8B9-4371-B547-9056-9CAD36306159}"/>
               </a:ext>
             </a:extLst>
           </p:cNvPr>
@@ -2181,7 +2181,7 @@
           <p:cNvPr id="6" name="슬라이드 번호 개체 틀 5">
             <a:extLst>
               <a:ext uri="{FF2B5EF4-FFF2-40B4-BE49-F238E27FC236}">
-                <a16:creationId xmlns:a16="http://schemas.microsoft.com/office/drawing/2014/main" xmlns="" id="{E34FBC5E-9EA0-D242-A86E-C38E6481D4CF}"/>
+                <a16:creationId xmlns="" xmlns:a16="http://schemas.microsoft.com/office/drawing/2014/main" id="{E34FBC5E-9EA0-D242-A86E-C38E6481D4CF}"/>
               </a:ext>
             </a:extLst>
           </p:cNvPr>
@@ -2217,7 +2217,7 @@
     </p:spTree>
     <p:extLst>
       <p:ext uri="{BB962C8B-B14F-4D97-AF65-F5344CB8AC3E}">
-        <p14:creationId xmlns:p14="http://schemas.microsoft.com/office/powerpoint/2010/main" xmlns="" val="2729888429"/>
+        <p14:creationId xmlns="" xmlns:p14="http://schemas.microsoft.com/office/powerpoint/2010/main" val="2729888429"/>
       </p:ext>
     </p:extLst>
   </p:cSld>
@@ -2249,7 +2249,7 @@
           <p:cNvPr id="2" name="제목 1">
             <a:extLst>
               <a:ext uri="{FF2B5EF4-FFF2-40B4-BE49-F238E27FC236}">
-                <a16:creationId xmlns:a16="http://schemas.microsoft.com/office/drawing/2014/main" xmlns="" id="{D8D61643-B596-A047-9645-3B031F04BD39}"/>
+                <a16:creationId xmlns="" xmlns:a16="http://schemas.microsoft.com/office/drawing/2014/main" id="{D8D61643-B596-A047-9645-3B031F04BD39}"/>
               </a:ext>
             </a:extLst>
           </p:cNvPr>
@@ -2286,7 +2286,7 @@
           <p:cNvPr id="3" name="내용 개체 틀 2">
             <a:extLst>
               <a:ext uri="{FF2B5EF4-FFF2-40B4-BE49-F238E27FC236}">
-                <a16:creationId xmlns:a16="http://schemas.microsoft.com/office/drawing/2014/main" xmlns="" id="{D69768D8-8CB5-CE49-BE27-1A15A71433FB}"/>
+                <a16:creationId xmlns="" xmlns:a16="http://schemas.microsoft.com/office/drawing/2014/main" id="{D69768D8-8CB5-CE49-BE27-1A15A71433FB}"/>
               </a:ext>
             </a:extLst>
           </p:cNvPr>
@@ -2352,7 +2352,7 @@
           <p:cNvPr id="4" name="내용 개체 틀 3">
             <a:extLst>
               <a:ext uri="{FF2B5EF4-FFF2-40B4-BE49-F238E27FC236}">
-                <a16:creationId xmlns:a16="http://schemas.microsoft.com/office/drawing/2014/main" xmlns="" id="{382824C5-10C8-0440-AFA3-54CAE764843F}"/>
+                <a16:creationId xmlns="" xmlns:a16="http://schemas.microsoft.com/office/drawing/2014/main" id="{382824C5-10C8-0440-AFA3-54CAE764843F}"/>
               </a:ext>
             </a:extLst>
           </p:cNvPr>
@@ -2418,7 +2418,7 @@
           <p:cNvPr id="5" name="날짜 개체 틀 4">
             <a:extLst>
               <a:ext uri="{FF2B5EF4-FFF2-40B4-BE49-F238E27FC236}">
-                <a16:creationId xmlns:a16="http://schemas.microsoft.com/office/drawing/2014/main" xmlns="" id="{93E330CA-6D69-E64A-A9AB-C3B9D30EE96A}"/>
+                <a16:creationId xmlns="" xmlns:a16="http://schemas.microsoft.com/office/drawing/2014/main" id="{93E330CA-6D69-E64A-A9AB-C3B9D30EE96A}"/>
               </a:ext>
             </a:extLst>
           </p:cNvPr>
@@ -2456,7 +2456,7 @@
           <p:cNvPr id="6" name="바닥글 개체 틀 5">
             <a:extLst>
               <a:ext uri="{FF2B5EF4-FFF2-40B4-BE49-F238E27FC236}">
-                <a16:creationId xmlns:a16="http://schemas.microsoft.com/office/drawing/2014/main" xmlns="" id="{9E4499F5-CB43-7548-AE88-8913897F4021}"/>
+                <a16:creationId xmlns="" xmlns:a16="http://schemas.microsoft.com/office/drawing/2014/main" id="{9E4499F5-CB43-7548-AE88-8913897F4021}"/>
               </a:ext>
             </a:extLst>
           </p:cNvPr>
@@ -2489,7 +2489,7 @@
           <p:cNvPr id="7" name="슬라이드 번호 개체 틀 6">
             <a:extLst>
               <a:ext uri="{FF2B5EF4-FFF2-40B4-BE49-F238E27FC236}">
-                <a16:creationId xmlns:a16="http://schemas.microsoft.com/office/drawing/2014/main" xmlns="" id="{8E5C009E-C0C3-4E49-AA09-4315BA83AA05}"/>
+                <a16:creationId xmlns="" xmlns:a16="http://schemas.microsoft.com/office/drawing/2014/main" id="{8E5C009E-C0C3-4E49-AA09-4315BA83AA05}"/>
               </a:ext>
             </a:extLst>
           </p:cNvPr>
@@ -2525,7 +2525,7 @@
     </p:spTree>
     <p:extLst>
       <p:ext uri="{BB962C8B-B14F-4D97-AF65-F5344CB8AC3E}">
-        <p14:creationId xmlns:p14="http://schemas.microsoft.com/office/powerpoint/2010/main" xmlns="" val="52935017"/>
+        <p14:creationId xmlns="" xmlns:p14="http://schemas.microsoft.com/office/powerpoint/2010/main" val="52935017"/>
       </p:ext>
     </p:extLst>
   </p:cSld>
@@ -2557,7 +2557,7 @@
           <p:cNvPr id="2" name="제목 1">
             <a:extLst>
               <a:ext uri="{FF2B5EF4-FFF2-40B4-BE49-F238E27FC236}">
-                <a16:creationId xmlns:a16="http://schemas.microsoft.com/office/drawing/2014/main" xmlns="" id="{7C01811D-13C0-7D4D-97E1-55EC89D114B6}"/>
+                <a16:creationId xmlns="" xmlns:a16="http://schemas.microsoft.com/office/drawing/2014/main" id="{7C01811D-13C0-7D4D-97E1-55EC89D114B6}"/>
               </a:ext>
             </a:extLst>
           </p:cNvPr>
@@ -2594,7 +2594,7 @@
           <p:cNvPr id="3" name="텍스트 개체 틀 2">
             <a:extLst>
               <a:ext uri="{FF2B5EF4-FFF2-40B4-BE49-F238E27FC236}">
-                <a16:creationId xmlns:a16="http://schemas.microsoft.com/office/drawing/2014/main" xmlns="" id="{37C1E064-92DA-D240-923C-9AC3F2ED7E96}"/>
+                <a16:creationId xmlns="" xmlns:a16="http://schemas.microsoft.com/office/drawing/2014/main" id="{37C1E064-92DA-D240-923C-9AC3F2ED7E96}"/>
               </a:ext>
             </a:extLst>
           </p:cNvPr>
@@ -2668,7 +2668,7 @@
           <p:cNvPr id="4" name="내용 개체 틀 3">
             <a:extLst>
               <a:ext uri="{FF2B5EF4-FFF2-40B4-BE49-F238E27FC236}">
-                <a16:creationId xmlns:a16="http://schemas.microsoft.com/office/drawing/2014/main" xmlns="" id="{1E646141-444B-2445-AD00-9311E7F86375}"/>
+                <a16:creationId xmlns="" xmlns:a16="http://schemas.microsoft.com/office/drawing/2014/main" id="{1E646141-444B-2445-AD00-9311E7F86375}"/>
               </a:ext>
             </a:extLst>
           </p:cNvPr>
@@ -2734,7 +2734,7 @@
           <p:cNvPr id="5" name="텍스트 개체 틀 4">
             <a:extLst>
               <a:ext uri="{FF2B5EF4-FFF2-40B4-BE49-F238E27FC236}">
-                <a16:creationId xmlns:a16="http://schemas.microsoft.com/office/drawing/2014/main" xmlns="" id="{7DE916FB-92A2-B049-803C-C91062CAE2C7}"/>
+                <a16:creationId xmlns="" xmlns:a16="http://schemas.microsoft.com/office/drawing/2014/main" id="{7DE916FB-92A2-B049-803C-C91062CAE2C7}"/>
               </a:ext>
             </a:extLst>
           </p:cNvPr>
@@ -2808,7 +2808,7 @@
           <p:cNvPr id="6" name="내용 개체 틀 5">
             <a:extLst>
               <a:ext uri="{FF2B5EF4-FFF2-40B4-BE49-F238E27FC236}">
-                <a16:creationId xmlns:a16="http://schemas.microsoft.com/office/drawing/2014/main" xmlns="" id="{ED708E14-E7D4-9540-B3AF-3C050AE9B6E8}"/>
+                <a16:creationId xmlns="" xmlns:a16="http://schemas.microsoft.com/office/drawing/2014/main" id="{ED708E14-E7D4-9540-B3AF-3C050AE9B6E8}"/>
               </a:ext>
             </a:extLst>
           </p:cNvPr>
@@ -2874,7 +2874,7 @@
           <p:cNvPr id="7" name="날짜 개체 틀 6">
             <a:extLst>
               <a:ext uri="{FF2B5EF4-FFF2-40B4-BE49-F238E27FC236}">
-                <a16:creationId xmlns:a16="http://schemas.microsoft.com/office/drawing/2014/main" xmlns="" id="{53F67C61-BA5F-C94C-8197-B4E5CC333CA5}"/>
+                <a16:creationId xmlns="" xmlns:a16="http://schemas.microsoft.com/office/drawing/2014/main" id="{53F67C61-BA5F-C94C-8197-B4E5CC333CA5}"/>
               </a:ext>
             </a:extLst>
           </p:cNvPr>
@@ -2912,7 +2912,7 @@
           <p:cNvPr id="8" name="바닥글 개체 틀 7">
             <a:extLst>
               <a:ext uri="{FF2B5EF4-FFF2-40B4-BE49-F238E27FC236}">
-                <a16:creationId xmlns:a16="http://schemas.microsoft.com/office/drawing/2014/main" xmlns="" id="{74E93593-D556-414B-870F-070ED2DD8E7E}"/>
+                <a16:creationId xmlns="" xmlns:a16="http://schemas.microsoft.com/office/drawing/2014/main" id="{74E93593-D556-414B-870F-070ED2DD8E7E}"/>
               </a:ext>
             </a:extLst>
           </p:cNvPr>
@@ -2945,7 +2945,7 @@
           <p:cNvPr id="9" name="슬라이드 번호 개체 틀 8">
             <a:extLst>
               <a:ext uri="{FF2B5EF4-FFF2-40B4-BE49-F238E27FC236}">
-                <a16:creationId xmlns:a16="http://schemas.microsoft.com/office/drawing/2014/main" xmlns="" id="{F683A9B5-F0BA-4A4D-ADD3-94E58522F277}"/>
+                <a16:creationId xmlns="" xmlns:a16="http://schemas.microsoft.com/office/drawing/2014/main" id="{F683A9B5-F0BA-4A4D-ADD3-94E58522F277}"/>
               </a:ext>
             </a:extLst>
           </p:cNvPr>
@@ -2981,7 +2981,7 @@
     </p:spTree>
     <p:extLst>
       <p:ext uri="{BB962C8B-B14F-4D97-AF65-F5344CB8AC3E}">
-        <p14:creationId xmlns:p14="http://schemas.microsoft.com/office/powerpoint/2010/main" xmlns="" val="1098682778"/>
+        <p14:creationId xmlns="" xmlns:p14="http://schemas.microsoft.com/office/powerpoint/2010/main" val="1098682778"/>
       </p:ext>
     </p:extLst>
   </p:cSld>
@@ -3013,7 +3013,7 @@
           <p:cNvPr id="2" name="제목 1">
             <a:extLst>
               <a:ext uri="{FF2B5EF4-FFF2-40B4-BE49-F238E27FC236}">
-                <a16:creationId xmlns:a16="http://schemas.microsoft.com/office/drawing/2014/main" xmlns="" id="{6E247AC5-73FB-784E-8DED-62B507C3BE69}"/>
+                <a16:creationId xmlns="" xmlns:a16="http://schemas.microsoft.com/office/drawing/2014/main" id="{6E247AC5-73FB-784E-8DED-62B507C3BE69}"/>
               </a:ext>
             </a:extLst>
           </p:cNvPr>
@@ -3050,7 +3050,7 @@
           <p:cNvPr id="3" name="날짜 개체 틀 2">
             <a:extLst>
               <a:ext uri="{FF2B5EF4-FFF2-40B4-BE49-F238E27FC236}">
-                <a16:creationId xmlns:a16="http://schemas.microsoft.com/office/drawing/2014/main" xmlns="" id="{A02F08E0-3E03-5B48-9DFC-6EAA12453D14}"/>
+                <a16:creationId xmlns="" xmlns:a16="http://schemas.microsoft.com/office/drawing/2014/main" id="{A02F08E0-3E03-5B48-9DFC-6EAA12453D14}"/>
               </a:ext>
             </a:extLst>
           </p:cNvPr>
@@ -3088,7 +3088,7 @@
           <p:cNvPr id="4" name="바닥글 개체 틀 3">
             <a:extLst>
               <a:ext uri="{FF2B5EF4-FFF2-40B4-BE49-F238E27FC236}">
-                <a16:creationId xmlns:a16="http://schemas.microsoft.com/office/drawing/2014/main" xmlns="" id="{8DD16769-D995-5C40-89FE-F137209F49AE}"/>
+                <a16:creationId xmlns="" xmlns:a16="http://schemas.microsoft.com/office/drawing/2014/main" id="{8DD16769-D995-5C40-89FE-F137209F49AE}"/>
               </a:ext>
             </a:extLst>
           </p:cNvPr>
@@ -3121,7 +3121,7 @@
           <p:cNvPr id="5" name="슬라이드 번호 개체 틀 4">
             <a:extLst>
               <a:ext uri="{FF2B5EF4-FFF2-40B4-BE49-F238E27FC236}">
-                <a16:creationId xmlns:a16="http://schemas.microsoft.com/office/drawing/2014/main" xmlns="" id="{146A01EA-2EA0-9447-9D9E-05ADEE1939F1}"/>
+                <a16:creationId xmlns="" xmlns:a16="http://schemas.microsoft.com/office/drawing/2014/main" id="{146A01EA-2EA0-9447-9D9E-05ADEE1939F1}"/>
               </a:ext>
             </a:extLst>
           </p:cNvPr>
@@ -3157,7 +3157,7 @@
     </p:spTree>
     <p:extLst>
       <p:ext uri="{BB962C8B-B14F-4D97-AF65-F5344CB8AC3E}">
-        <p14:creationId xmlns:p14="http://schemas.microsoft.com/office/powerpoint/2010/main" xmlns="" val="1833252104"/>
+        <p14:creationId xmlns="" xmlns:p14="http://schemas.microsoft.com/office/powerpoint/2010/main" val="1833252104"/>
       </p:ext>
     </p:extLst>
   </p:cSld>
@@ -3189,7 +3189,7 @@
           <p:cNvPr id="2" name="날짜 개체 틀 1">
             <a:extLst>
               <a:ext uri="{FF2B5EF4-FFF2-40B4-BE49-F238E27FC236}">
-                <a16:creationId xmlns:a16="http://schemas.microsoft.com/office/drawing/2014/main" xmlns="" id="{55C02455-6981-B74F-8B79-6DF8073784A1}"/>
+                <a16:creationId xmlns="" xmlns:a16="http://schemas.microsoft.com/office/drawing/2014/main" id="{55C02455-6981-B74F-8B79-6DF8073784A1}"/>
               </a:ext>
             </a:extLst>
           </p:cNvPr>
@@ -3227,7 +3227,7 @@
           <p:cNvPr id="3" name="바닥글 개체 틀 2">
             <a:extLst>
               <a:ext uri="{FF2B5EF4-FFF2-40B4-BE49-F238E27FC236}">
-                <a16:creationId xmlns:a16="http://schemas.microsoft.com/office/drawing/2014/main" xmlns="" id="{51F68BC3-AA06-B646-85C0-3754C40CDDA9}"/>
+                <a16:creationId xmlns="" xmlns:a16="http://schemas.microsoft.com/office/drawing/2014/main" id="{51F68BC3-AA06-B646-85C0-3754C40CDDA9}"/>
               </a:ext>
             </a:extLst>
           </p:cNvPr>
@@ -3260,7 +3260,7 @@
           <p:cNvPr id="4" name="슬라이드 번호 개체 틀 3">
             <a:extLst>
               <a:ext uri="{FF2B5EF4-FFF2-40B4-BE49-F238E27FC236}">
-                <a16:creationId xmlns:a16="http://schemas.microsoft.com/office/drawing/2014/main" xmlns="" id="{B4CD303D-6A7D-4645-A406-F22C50CE834D}"/>
+                <a16:creationId xmlns="" xmlns:a16="http://schemas.microsoft.com/office/drawing/2014/main" id="{B4CD303D-6A7D-4645-A406-F22C50CE834D}"/>
               </a:ext>
             </a:extLst>
           </p:cNvPr>
@@ -3296,7 +3296,7 @@
     </p:spTree>
     <p:extLst>
       <p:ext uri="{BB962C8B-B14F-4D97-AF65-F5344CB8AC3E}">
-        <p14:creationId xmlns:p14="http://schemas.microsoft.com/office/powerpoint/2010/main" xmlns="" val="866168486"/>
+        <p14:creationId xmlns="" xmlns:p14="http://schemas.microsoft.com/office/powerpoint/2010/main" val="866168486"/>
       </p:ext>
     </p:extLst>
   </p:cSld>
@@ -3328,7 +3328,7 @@
           <p:cNvPr id="2" name="제목 1">
             <a:extLst>
               <a:ext uri="{FF2B5EF4-FFF2-40B4-BE49-F238E27FC236}">
-                <a16:creationId xmlns:a16="http://schemas.microsoft.com/office/drawing/2014/main" xmlns="" id="{5C55B9B3-27DD-734F-883B-BC021ABE031F}"/>
+                <a16:creationId xmlns="" xmlns:a16="http://schemas.microsoft.com/office/drawing/2014/main" id="{5C55B9B3-27DD-734F-883B-BC021ABE031F}"/>
               </a:ext>
             </a:extLst>
           </p:cNvPr>
@@ -3369,7 +3369,7 @@
           <p:cNvPr id="3" name="내용 개체 틀 2">
             <a:extLst>
               <a:ext uri="{FF2B5EF4-FFF2-40B4-BE49-F238E27FC236}">
-                <a16:creationId xmlns:a16="http://schemas.microsoft.com/office/drawing/2014/main" xmlns="" id="{3CE9FE82-CCA8-E240-AB65-75A84F9021BE}"/>
+                <a16:creationId xmlns="" xmlns:a16="http://schemas.microsoft.com/office/drawing/2014/main" id="{3CE9FE82-CCA8-E240-AB65-75A84F9021BE}"/>
               </a:ext>
             </a:extLst>
           </p:cNvPr>
@@ -3463,7 +3463,7 @@
           <p:cNvPr id="4" name="텍스트 개체 틀 3">
             <a:extLst>
               <a:ext uri="{FF2B5EF4-FFF2-40B4-BE49-F238E27FC236}">
-                <a16:creationId xmlns:a16="http://schemas.microsoft.com/office/drawing/2014/main" xmlns="" id="{4BB8436B-5FE2-1447-9EC3-BEAF9A68C39B}"/>
+                <a16:creationId xmlns="" xmlns:a16="http://schemas.microsoft.com/office/drawing/2014/main" id="{4BB8436B-5FE2-1447-9EC3-BEAF9A68C39B}"/>
               </a:ext>
             </a:extLst>
           </p:cNvPr>
@@ -3537,7 +3537,7 @@
           <p:cNvPr id="5" name="날짜 개체 틀 4">
             <a:extLst>
               <a:ext uri="{FF2B5EF4-FFF2-40B4-BE49-F238E27FC236}">
-                <a16:creationId xmlns:a16="http://schemas.microsoft.com/office/drawing/2014/main" xmlns="" id="{C9E51C8C-7C12-2245-A863-1244B7A9312C}"/>
+                <a16:creationId xmlns="" xmlns:a16="http://schemas.microsoft.com/office/drawing/2014/main" id="{C9E51C8C-7C12-2245-A863-1244B7A9312C}"/>
               </a:ext>
             </a:extLst>
           </p:cNvPr>
@@ -3575,7 +3575,7 @@
           <p:cNvPr id="6" name="바닥글 개체 틀 5">
             <a:extLst>
               <a:ext uri="{FF2B5EF4-FFF2-40B4-BE49-F238E27FC236}">
-                <a16:creationId xmlns:a16="http://schemas.microsoft.com/office/drawing/2014/main" xmlns="" id="{4782CB7C-D627-9647-8F56-B00CB9A302A4}"/>
+                <a16:creationId xmlns="" xmlns:a16="http://schemas.microsoft.com/office/drawing/2014/main" id="{4782CB7C-D627-9647-8F56-B00CB9A302A4}"/>
               </a:ext>
             </a:extLst>
           </p:cNvPr>
@@ -3608,7 +3608,7 @@
           <p:cNvPr id="7" name="슬라이드 번호 개체 틀 6">
             <a:extLst>
               <a:ext uri="{FF2B5EF4-FFF2-40B4-BE49-F238E27FC236}">
-                <a16:creationId xmlns:a16="http://schemas.microsoft.com/office/drawing/2014/main" xmlns="" id="{4CD74BA3-F423-A34B-8800-A6045769CBE1}"/>
+                <a16:creationId xmlns="" xmlns:a16="http://schemas.microsoft.com/office/drawing/2014/main" id="{4CD74BA3-F423-A34B-8800-A6045769CBE1}"/>
               </a:ext>
             </a:extLst>
           </p:cNvPr>
@@ -3644,7 +3644,7 @@
     </p:spTree>
     <p:extLst>
       <p:ext uri="{BB962C8B-B14F-4D97-AF65-F5344CB8AC3E}">
-        <p14:creationId xmlns:p14="http://schemas.microsoft.com/office/powerpoint/2010/main" xmlns="" val="1704396545"/>
+        <p14:creationId xmlns="" xmlns:p14="http://schemas.microsoft.com/office/powerpoint/2010/main" val="1704396545"/>
       </p:ext>
     </p:extLst>
   </p:cSld>
@@ -3676,7 +3676,7 @@
           <p:cNvPr id="2" name="제목 1">
             <a:extLst>
               <a:ext uri="{FF2B5EF4-FFF2-40B4-BE49-F238E27FC236}">
-                <a16:creationId xmlns:a16="http://schemas.microsoft.com/office/drawing/2014/main" xmlns="" id="{EFD7488A-CB03-5040-B573-DF2A3636CF99}"/>
+                <a16:creationId xmlns="" xmlns:a16="http://schemas.microsoft.com/office/drawing/2014/main" id="{EFD7488A-CB03-5040-B573-DF2A3636CF99}"/>
               </a:ext>
             </a:extLst>
           </p:cNvPr>
@@ -3717,7 +3717,7 @@
           <p:cNvPr id="3" name="그림 개체 틀 2">
             <a:extLst>
               <a:ext uri="{FF2B5EF4-FFF2-40B4-BE49-F238E27FC236}">
-                <a16:creationId xmlns:a16="http://schemas.microsoft.com/office/drawing/2014/main" xmlns="" id="{5E2B4E34-4F62-234A-BDDE-E603E5DE1FD3}"/>
+                <a16:creationId xmlns="" xmlns:a16="http://schemas.microsoft.com/office/drawing/2014/main" id="{5E2B4E34-4F62-234A-BDDE-E603E5DE1FD3}"/>
               </a:ext>
             </a:extLst>
           </p:cNvPr>
@@ -3787,7 +3787,7 @@
           <p:cNvPr id="4" name="텍스트 개체 틀 3">
             <a:extLst>
               <a:ext uri="{FF2B5EF4-FFF2-40B4-BE49-F238E27FC236}">
-                <a16:creationId xmlns:a16="http://schemas.microsoft.com/office/drawing/2014/main" xmlns="" id="{DFB842A2-9A9A-9849-98C1-4CF61CDA5F54}"/>
+                <a16:creationId xmlns="" xmlns:a16="http://schemas.microsoft.com/office/drawing/2014/main" id="{DFB842A2-9A9A-9849-98C1-4CF61CDA5F54}"/>
               </a:ext>
             </a:extLst>
           </p:cNvPr>
@@ -3861,7 +3861,7 @@
           <p:cNvPr id="5" name="날짜 개체 틀 4">
             <a:extLst>
               <a:ext uri="{FF2B5EF4-FFF2-40B4-BE49-F238E27FC236}">
-                <a16:creationId xmlns:a16="http://schemas.microsoft.com/office/drawing/2014/main" xmlns="" id="{A770922B-0B9C-2A42-A148-3EF917E30238}"/>
+                <a16:creationId xmlns="" xmlns:a16="http://schemas.microsoft.com/office/drawing/2014/main" id="{A770922B-0B9C-2A42-A148-3EF917E30238}"/>
               </a:ext>
             </a:extLst>
           </p:cNvPr>
@@ -3899,7 +3899,7 @@
           <p:cNvPr id="6" name="바닥글 개체 틀 5">
             <a:extLst>
               <a:ext uri="{FF2B5EF4-FFF2-40B4-BE49-F238E27FC236}">
-                <a16:creationId xmlns:a16="http://schemas.microsoft.com/office/drawing/2014/main" xmlns="" id="{B0085D61-3843-A14E-BC5B-F1CF1043A28D}"/>
+                <a16:creationId xmlns="" xmlns:a16="http://schemas.microsoft.com/office/drawing/2014/main" id="{B0085D61-3843-A14E-BC5B-F1CF1043A28D}"/>
               </a:ext>
             </a:extLst>
           </p:cNvPr>
@@ -3932,7 +3932,7 @@
           <p:cNvPr id="7" name="슬라이드 번호 개체 틀 6">
             <a:extLst>
               <a:ext uri="{FF2B5EF4-FFF2-40B4-BE49-F238E27FC236}">
-                <a16:creationId xmlns:a16="http://schemas.microsoft.com/office/drawing/2014/main" xmlns="" id="{26DEE10E-E2D4-A844-A91F-C47C62D2AA42}"/>
+                <a16:creationId xmlns="" xmlns:a16="http://schemas.microsoft.com/office/drawing/2014/main" id="{26DEE10E-E2D4-A844-A91F-C47C62D2AA42}"/>
               </a:ext>
             </a:extLst>
           </p:cNvPr>
@@ -3968,7 +3968,7 @@
     </p:spTree>
     <p:extLst>
       <p:ext uri="{BB962C8B-B14F-4D97-AF65-F5344CB8AC3E}">
-        <p14:creationId xmlns:p14="http://schemas.microsoft.com/office/powerpoint/2010/main" xmlns="" val="2148253455"/>
+        <p14:creationId xmlns="" xmlns:p14="http://schemas.microsoft.com/office/powerpoint/2010/main" val="2148253455"/>
       </p:ext>
     </p:extLst>
   </p:cSld>
@@ -4003,7 +4003,7 @@
     </p:spTree>
     <p:extLst>
       <p:ext uri="{BB962C8B-B14F-4D97-AF65-F5344CB8AC3E}">
-        <p14:creationId xmlns:p14="http://schemas.microsoft.com/office/powerpoint/2010/main" xmlns="" val="3022356027"/>
+        <p14:creationId xmlns="" xmlns:p14="http://schemas.microsoft.com/office/powerpoint/2010/main" val="3022356027"/>
       </p:ext>
     </p:extLst>
   </p:cSld>
@@ -4304,7 +4304,7 @@
   </p:txStyles>
   <p:extLst>
     <p:ext uri="{27BBF7A9-308A-43DC-89C8-2F10F3537804}">
-      <p15:sldGuideLst xmlns:p15="http://schemas.microsoft.com/office/powerpoint/2012/main" xmlns="">
+      <p15:sldGuideLst xmlns="" xmlns:p15="http://schemas.microsoft.com/office/powerpoint/2012/main">
         <p15:guide id="1" orient="horz" pos="2160" userDrawn="1">
           <p15:clr>
             <a:srgbClr val="F26B43"/>
@@ -4351,7 +4351,7 @@
           <p:cNvPr id="9" name="그룹 8">
             <a:extLst>
               <a:ext uri="{FF2B5EF4-FFF2-40B4-BE49-F238E27FC236}">
-                <a16:creationId xmlns:a16="http://schemas.microsoft.com/office/drawing/2014/main" xmlns="" id="{E16F955F-3C40-AFD3-DB99-1D7BBA9B9B6D}"/>
+                <a16:creationId xmlns="" xmlns:a16="http://schemas.microsoft.com/office/drawing/2014/main" id="{E16F955F-3C40-AFD3-DB99-1D7BBA9B9B6D}"/>
               </a:ext>
             </a:extLst>
           </p:cNvPr>
@@ -4371,7 +4371,7 @@
             <p:cNvPr id="5" name="TextBox 4">
               <a:extLst>
                 <a:ext uri="{FF2B5EF4-FFF2-40B4-BE49-F238E27FC236}">
-                  <a16:creationId xmlns:a16="http://schemas.microsoft.com/office/drawing/2014/main" xmlns="" id="{0219BB47-7F38-B841-90EA-A4A47147FDAB}"/>
+                  <a16:creationId xmlns="" xmlns:a16="http://schemas.microsoft.com/office/drawing/2014/main" id="{0219BB47-7F38-B841-90EA-A4A47147FDAB}"/>
                 </a:ext>
               </a:extLst>
             </p:cNvPr>
@@ -4420,7 +4420,7 @@
             <p:cNvPr id="8" name="그룹 7">
               <a:extLst>
                 <a:ext uri="{FF2B5EF4-FFF2-40B4-BE49-F238E27FC236}">
-                  <a16:creationId xmlns:a16="http://schemas.microsoft.com/office/drawing/2014/main" xmlns="" id="{5E0C0EAA-C17C-B910-319A-10CFE79CAA56}"/>
+                  <a16:creationId xmlns="" xmlns:a16="http://schemas.microsoft.com/office/drawing/2014/main" id="{5E0C0EAA-C17C-B910-319A-10CFE79CAA56}"/>
                 </a:ext>
               </a:extLst>
             </p:cNvPr>
@@ -4440,7 +4440,7 @@
               <p:cNvPr id="3" name="Picture 4" descr="한양대학교 - 나무위키">
                 <a:extLst>
                   <a:ext uri="{FF2B5EF4-FFF2-40B4-BE49-F238E27FC236}">
-                    <a16:creationId xmlns:a16="http://schemas.microsoft.com/office/drawing/2014/main" xmlns="" id="{CB018ED8-8E8F-772C-1103-AA96C93C22C2}"/>
+                    <a16:creationId xmlns="" xmlns:a16="http://schemas.microsoft.com/office/drawing/2014/main" id="{CB018ED8-8E8F-772C-1103-AA96C93C22C2}"/>
                   </a:ext>
                 </a:extLst>
               </p:cNvPr>
@@ -4453,7 +4453,7 @@
               <a:blip r:embed="rId2">
                 <a:extLst>
                   <a:ext uri="{28A0092B-C50C-407E-A947-70E740481C1C}">
-                    <a14:useLocalDpi xmlns:a14="http://schemas.microsoft.com/office/drawing/2010/main" xmlns="" val="0"/>
+                    <a14:useLocalDpi xmlns="" xmlns:a14="http://schemas.microsoft.com/office/drawing/2010/main" val="0"/>
                   </a:ext>
                 </a:extLst>
               </a:blip>
@@ -4473,7 +4473,7 @@
               <a:noFill/>
               <a:extLst>
                 <a:ext uri="{909E8E84-426E-40DD-AFC4-6F175D3DCCD1}">
-                  <a14:hiddenFill xmlns:a14="http://schemas.microsoft.com/office/drawing/2010/main" xmlns="">
+                  <a14:hiddenFill xmlns="" xmlns:a14="http://schemas.microsoft.com/office/drawing/2010/main">
                     <a:solidFill>
                       <a:srgbClr val="FFFFFF"/>
                     </a:solidFill>
@@ -4487,7 +4487,7 @@
               <p:cNvPr id="4" name="Picture 2">
                 <a:extLst>
                   <a:ext uri="{FF2B5EF4-FFF2-40B4-BE49-F238E27FC236}">
-                    <a16:creationId xmlns:a16="http://schemas.microsoft.com/office/drawing/2014/main" xmlns="" id="{A0D566A1-AF21-73C8-46C4-20913AA4D44E}"/>
+                    <a16:creationId xmlns="" xmlns:a16="http://schemas.microsoft.com/office/drawing/2014/main" id="{A0D566A1-AF21-73C8-46C4-20913AA4D44E}"/>
                   </a:ext>
                 </a:extLst>
               </p:cNvPr>
@@ -4500,7 +4500,7 @@
               <a:blip r:embed="rId3">
                 <a:extLst>
                   <a:ext uri="{28A0092B-C50C-407E-A947-70E740481C1C}">
-                    <a14:useLocalDpi xmlns:a14="http://schemas.microsoft.com/office/drawing/2010/main" xmlns="" val="0"/>
+                    <a14:useLocalDpi xmlns="" xmlns:a14="http://schemas.microsoft.com/office/drawing/2010/main" val="0"/>
                   </a:ext>
                 </a:extLst>
               </a:blip>
@@ -4520,7 +4520,7 @@
               <a:noFill/>
               <a:extLst>
                 <a:ext uri="{909E8E84-426E-40DD-AFC4-6F175D3DCCD1}">
-                  <a14:hiddenFill xmlns:a14="http://schemas.microsoft.com/office/drawing/2010/main" xmlns="">
+                  <a14:hiddenFill xmlns="" xmlns:a14="http://schemas.microsoft.com/office/drawing/2010/main">
                     <a:solidFill>
                       <a:srgbClr val="FFFFFF"/>
                     </a:solidFill>
@@ -4534,7 +4534,7 @@
               <p:cNvPr id="6" name="직선 연결선 5">
                 <a:extLst>
                   <a:ext uri="{FF2B5EF4-FFF2-40B4-BE49-F238E27FC236}">
-                    <a16:creationId xmlns:a16="http://schemas.microsoft.com/office/drawing/2014/main" xmlns="" id="{7D8A18A1-B4B2-C8D4-D8CF-4FEFDACCE6C6}"/>
+                    <a16:creationId xmlns="" xmlns:a16="http://schemas.microsoft.com/office/drawing/2014/main" id="{7D8A18A1-B4B2-C8D4-D8CF-4FEFDACCE6C6}"/>
                   </a:ext>
                 </a:extLst>
               </p:cNvPr>
@@ -4575,7 +4575,7 @@
               <p:cNvPr id="7" name="그림 6" descr="텍스트, 표지판, 어두운이(가) 표시된 사진&#10;&#10;자동 생성된 설명">
                 <a:extLst>
                   <a:ext uri="{FF2B5EF4-FFF2-40B4-BE49-F238E27FC236}">
-                    <a16:creationId xmlns:a16="http://schemas.microsoft.com/office/drawing/2014/main" xmlns="" id="{86C06051-5B01-6602-2822-6BC0E7FA657F}"/>
+                    <a16:creationId xmlns="" xmlns:a16="http://schemas.microsoft.com/office/drawing/2014/main" id="{86C06051-5B01-6602-2822-6BC0E7FA657F}"/>
                   </a:ext>
                 </a:extLst>
               </p:cNvPr>
@@ -4616,7 +4616,7 @@
           <p:cNvPr id="10" name="TextBox 9">
             <a:extLst>
               <a:ext uri="{FF2B5EF4-FFF2-40B4-BE49-F238E27FC236}">
-                <a16:creationId xmlns:a16="http://schemas.microsoft.com/office/drawing/2014/main" xmlns="" id="{347A1722-EE0E-2F9A-3CE3-1F731703D4E6}"/>
+                <a16:creationId xmlns="" xmlns:a16="http://schemas.microsoft.com/office/drawing/2014/main" id="{347A1722-EE0E-2F9A-3CE3-1F731703D4E6}"/>
               </a:ext>
             </a:extLst>
           </p:cNvPr>
@@ -4864,7 +4864,7 @@
     </p:spTree>
     <p:extLst>
       <p:ext uri="{BB962C8B-B14F-4D97-AF65-F5344CB8AC3E}">
-        <p14:creationId xmlns:p14="http://schemas.microsoft.com/office/powerpoint/2010/main" xmlns="" val="1827450347"/>
+        <p14:creationId xmlns="" xmlns:p14="http://schemas.microsoft.com/office/powerpoint/2010/main" val="1827450347"/>
       </p:ext>
     </p:extLst>
   </p:cSld>
@@ -4956,7 +4956,7 @@
           <p:cNvPr id="5" name="그림 4" descr="텍스트, 표지판, 어두운이(가) 표시된 사진&#10;&#10;자동 생성된 설명">
             <a:extLst>
               <a:ext uri="{FF2B5EF4-FFF2-40B4-BE49-F238E27FC236}">
-                <a16:creationId xmlns:a16="http://schemas.microsoft.com/office/drawing/2014/main" xmlns="" id="{99DB973B-8F31-454D-965E-8D3C8A77EF2C}"/>
+                <a16:creationId xmlns="" xmlns:a16="http://schemas.microsoft.com/office/drawing/2014/main" id="{99DB973B-8F31-454D-965E-8D3C8A77EF2C}"/>
               </a:ext>
             </a:extLst>
           </p:cNvPr>
@@ -4986,7 +4986,7 @@
           <p:cNvPr id="6" name="Picture 2">
             <a:extLst>
               <a:ext uri="{FF2B5EF4-FFF2-40B4-BE49-F238E27FC236}">
-                <a16:creationId xmlns:a16="http://schemas.microsoft.com/office/drawing/2014/main" xmlns="" id="{E331DF8F-51A3-D3C4-B811-DFBF2677D596}"/>
+                <a16:creationId xmlns="" xmlns:a16="http://schemas.microsoft.com/office/drawing/2014/main" id="{E331DF8F-51A3-D3C4-B811-DFBF2677D596}"/>
               </a:ext>
             </a:extLst>
           </p:cNvPr>
@@ -4999,7 +4999,7 @@
           <a:blip r:embed="rId3">
             <a:extLst>
               <a:ext uri="{BEBA8EAE-BF5A-486C-A8C5-ECC9F3942E4B}">
-                <a14:imgProps xmlns:a14="http://schemas.microsoft.com/office/drawing/2010/main" xmlns="">
+                <a14:imgProps xmlns="" xmlns:a14="http://schemas.microsoft.com/office/drawing/2010/main">
                   <a14:imgLayer r:embed="rId4">
                     <a14:imgEffect>
                       <a14:saturation sat="96000"/>
@@ -5011,7 +5011,7 @@
                 </a14:imgProps>
               </a:ext>
               <a:ext uri="{28A0092B-C50C-407E-A947-70E740481C1C}">
-                <a14:useLocalDpi xmlns:a14="http://schemas.microsoft.com/office/drawing/2010/main" xmlns="" val="0"/>
+                <a14:useLocalDpi xmlns="" xmlns:a14="http://schemas.microsoft.com/office/drawing/2010/main" val="0"/>
               </a:ext>
             </a:extLst>
           </a:blip>
@@ -5031,7 +5031,7 @@
           <a:noFill/>
           <a:extLst>
             <a:ext uri="{909E8E84-426E-40DD-AFC4-6F175D3DCCD1}">
-              <a14:hiddenFill xmlns:a14="http://schemas.microsoft.com/office/drawing/2010/main" xmlns="">
+              <a14:hiddenFill xmlns="" xmlns:a14="http://schemas.microsoft.com/office/drawing/2010/main">
                 <a:solidFill>
                   <a:srgbClr val="FFFFFF"/>
                 </a:solidFill>
@@ -5070,7 +5070,7 @@
           <p:cNvPr id="4" name="TextBox 3">
             <a:extLst>
               <a:ext uri="{FF2B5EF4-FFF2-40B4-BE49-F238E27FC236}">
-                <a16:creationId xmlns:a16="http://schemas.microsoft.com/office/drawing/2014/main" xmlns="" id="{553A531E-0264-474E-80E1-4D6EC51A9F73}"/>
+                <a16:creationId xmlns="" xmlns:a16="http://schemas.microsoft.com/office/drawing/2014/main" id="{553A531E-0264-474E-80E1-4D6EC51A9F73}"/>
               </a:ext>
             </a:extLst>
           </p:cNvPr>
@@ -5118,7 +5118,7 @@
           <p:cNvPr id="16" name="TextBox 15">
             <a:extLst>
               <a:ext uri="{FF2B5EF4-FFF2-40B4-BE49-F238E27FC236}">
-                <a16:creationId xmlns:a16="http://schemas.microsoft.com/office/drawing/2014/main" xmlns="" id="{66F1A837-3EF0-CC4C-9E70-66BA9C46692F}"/>
+                <a16:creationId xmlns="" xmlns:a16="http://schemas.microsoft.com/office/drawing/2014/main" id="{66F1A837-3EF0-CC4C-9E70-66BA9C46692F}"/>
               </a:ext>
             </a:extLst>
           </p:cNvPr>
@@ -5403,20 +5403,7 @@
                 <a:latin typeface="210 옴니고딕 030" panose="02020603020101020101" pitchFamily="18" charset="-127"/>
                 <a:ea typeface="210 옴니고딕 030" panose="02020603020101020101" pitchFamily="18" charset="-127"/>
               </a:rPr>
-              <a:t>4</a:t>
-            </a:r>
-            <a:r>
-              <a:rPr kumimoji="1" lang="en-US" altLang="ko-KR" sz="2400" dirty="0" smtClean="0">
-                <a:solidFill>
-                  <a:schemeClr val="tx1">
-                    <a:lumMod val="85000"/>
-                    <a:lumOff val="15000"/>
-                  </a:schemeClr>
-                </a:solidFill>
-                <a:latin typeface="210 옴니고딕 030" panose="02020603020101020101" pitchFamily="18" charset="-127"/>
-                <a:ea typeface="210 옴니고딕 030" panose="02020603020101020101" pitchFamily="18" charset="-127"/>
-              </a:rPr>
-              <a:t>. </a:t>
+              <a:t>4. </a:t>
             </a:r>
             <a:r>
               <a:rPr kumimoji="1" lang="ko-KR" altLang="en-US" sz="2400" dirty="0" err="1" smtClean="0">
@@ -5447,7 +5434,7 @@
     </p:spTree>
     <p:extLst>
       <p:ext uri="{BB962C8B-B14F-4D97-AF65-F5344CB8AC3E}">
-        <p14:creationId xmlns:p14="http://schemas.microsoft.com/office/powerpoint/2010/main" xmlns="" val="4104666055"/>
+        <p14:creationId xmlns="" xmlns:p14="http://schemas.microsoft.com/office/powerpoint/2010/main" val="4104666055"/>
       </p:ext>
     </p:extLst>
   </p:cSld>
@@ -5479,7 +5466,7 @@
           <p:cNvPr id="20" name="TextBox 19">
             <a:extLst>
               <a:ext uri="{FF2B5EF4-FFF2-40B4-BE49-F238E27FC236}">
-                <a16:creationId xmlns:a16="http://schemas.microsoft.com/office/drawing/2014/main" xmlns="" id="{BB1F688A-EECA-AD4B-9974-52A755017E57}"/>
+                <a16:creationId xmlns="" xmlns:a16="http://schemas.microsoft.com/office/drawing/2014/main" id="{BB1F688A-EECA-AD4B-9974-52A755017E57}"/>
               </a:ext>
             </a:extLst>
           </p:cNvPr>
@@ -5612,7 +5599,7 @@
           <p:cNvPr id="53" name="TextBox 52">
             <a:extLst>
               <a:ext uri="{FF2B5EF4-FFF2-40B4-BE49-F238E27FC236}">
-                <a16:creationId xmlns:a16="http://schemas.microsoft.com/office/drawing/2014/main" xmlns="" id="{46063DD2-9B38-F147-A0DC-464FBEA0D179}"/>
+                <a16:creationId xmlns="" xmlns:a16="http://schemas.microsoft.com/office/drawing/2014/main" id="{46063DD2-9B38-F147-A0DC-464FBEA0D179}"/>
               </a:ext>
             </a:extLst>
           </p:cNvPr>
@@ -5674,17 +5661,7 @@
                 <a:latin typeface="Noto Sans CJK KR Regular" panose="020B0500000000000000" pitchFamily="34" charset="-128"/>
                 <a:ea typeface="Noto Sans CJK KR Regular" panose="020B0500000000000000" pitchFamily="34" charset="-128"/>
               </a:rPr>
-              <a:t>1.    ICDM</a:t>
-            </a:r>
-            <a:r>
-              <a:rPr kumimoji="1" lang="en-US" altLang="ko-KR" sz="2000" b="1" dirty="0" smtClean="0">
-                <a:solidFill>
-                  <a:srgbClr val="009D4F"/>
-                </a:solidFill>
-                <a:latin typeface="Noto Sans CJK KR Regular" panose="020B0500000000000000" pitchFamily="34" charset="-128"/>
-                <a:ea typeface="Noto Sans CJK KR Regular" panose="020B0500000000000000" pitchFamily="34" charset="-128"/>
-              </a:rPr>
-              <a:t>, </a:t>
+              <a:t>1.    ICDM, </a:t>
             </a:r>
             <a:r>
               <a:rPr kumimoji="1" lang="ko-KR" altLang="en-US" sz="2000" b="1" dirty="0" err="1" smtClean="0">
@@ -5972,7 +5949,7 @@
     </p:spTree>
     <p:extLst>
       <p:ext uri="{BB962C8B-B14F-4D97-AF65-F5344CB8AC3E}">
-        <p14:creationId xmlns:p14="http://schemas.microsoft.com/office/powerpoint/2010/main" xmlns="" val="1062904964"/>
+        <p14:creationId xmlns="" xmlns:p14="http://schemas.microsoft.com/office/powerpoint/2010/main" val="1062904964"/>
       </p:ext>
     </p:extLst>
   </p:cSld>
@@ -6004,7 +5981,7 @@
           <p:cNvPr id="20" name="TextBox 19">
             <a:extLst>
               <a:ext uri="{FF2B5EF4-FFF2-40B4-BE49-F238E27FC236}">
-                <a16:creationId xmlns:a16="http://schemas.microsoft.com/office/drawing/2014/main" xmlns="" id="{BB1F688A-EECA-AD4B-9974-52A755017E57}"/>
+                <a16:creationId xmlns="" xmlns:a16="http://schemas.microsoft.com/office/drawing/2014/main" id="{BB1F688A-EECA-AD4B-9974-52A755017E57}"/>
               </a:ext>
             </a:extLst>
           </p:cNvPr>
@@ -6167,7 +6144,7 @@
           <p:cNvPr id="53" name="TextBox 52">
             <a:extLst>
               <a:ext uri="{FF2B5EF4-FFF2-40B4-BE49-F238E27FC236}">
-                <a16:creationId xmlns:a16="http://schemas.microsoft.com/office/drawing/2014/main" xmlns="" id="{46063DD2-9B38-F147-A0DC-464FBEA0D179}"/>
+                <a16:creationId xmlns="" xmlns:a16="http://schemas.microsoft.com/office/drawing/2014/main" id="{46063DD2-9B38-F147-A0DC-464FBEA0D179}"/>
               </a:ext>
             </a:extLst>
           </p:cNvPr>
@@ -6313,7 +6290,7 @@
           <p:cNvPr id="10" name="TextBox 9">
             <a:extLst>
               <a:ext uri="{FF2B5EF4-FFF2-40B4-BE49-F238E27FC236}">
-                <a16:creationId xmlns:a16="http://schemas.microsoft.com/office/drawing/2014/main" xmlns="" id="{66F1A837-3EF0-CC4C-9E70-66BA9C46692F}"/>
+                <a16:creationId xmlns="" xmlns:a16="http://schemas.microsoft.com/office/drawing/2014/main" id="{66F1A837-3EF0-CC4C-9E70-66BA9C46692F}"/>
               </a:ext>
             </a:extLst>
           </p:cNvPr>
@@ -6406,23 +6383,13 @@
               </a:rPr>
               <a:t> </a:t>
             </a:r>
-            <a:endParaRPr kumimoji="1" lang="en-US" altLang="ko-KR" sz="2400" dirty="0" smtClean="0">
-              <a:solidFill>
-                <a:schemeClr val="tx1">
-                  <a:lumMod val="85000"/>
-                  <a:lumOff val="15000"/>
-                </a:schemeClr>
-              </a:solidFill>
-              <a:latin typeface="210 옴니고딕 030" panose="02020603020101020101" pitchFamily="18" charset="-127"/>
-              <a:ea typeface="210 옴니고딕 030" panose="02020603020101020101" pitchFamily="18" charset="-127"/>
-            </a:endParaRPr>
           </a:p>
         </p:txBody>
       </p:sp>
     </p:spTree>
     <p:extLst>
       <p:ext uri="{BB962C8B-B14F-4D97-AF65-F5344CB8AC3E}">
-        <p14:creationId xmlns:p14="http://schemas.microsoft.com/office/powerpoint/2010/main" xmlns="" val="1062904964"/>
+        <p14:creationId xmlns="" xmlns:p14="http://schemas.microsoft.com/office/powerpoint/2010/main" val="1062904964"/>
       </p:ext>
     </p:extLst>
   </p:cSld>
@@ -6454,7 +6421,7 @@
           <p:cNvPr id="20" name="TextBox 19">
             <a:extLst>
               <a:ext uri="{FF2B5EF4-FFF2-40B4-BE49-F238E27FC236}">
-                <a16:creationId xmlns:a16="http://schemas.microsoft.com/office/drawing/2014/main" xmlns="" id="{BB1F688A-EECA-AD4B-9974-52A755017E57}"/>
+                <a16:creationId xmlns="" xmlns:a16="http://schemas.microsoft.com/office/drawing/2014/main" id="{BB1F688A-EECA-AD4B-9974-52A755017E57}"/>
               </a:ext>
             </a:extLst>
           </p:cNvPr>
@@ -6490,17 +6457,7 @@
                 <a:latin typeface="Noto Sans CJK KR Bold" panose="020B0500000000000000" pitchFamily="34" charset="-128"/>
                 <a:ea typeface="Noto Sans CJK KR Bold" panose="020B0500000000000000" pitchFamily="34" charset="-128"/>
               </a:rPr>
-              <a:t>2. </a:t>
-            </a:r>
-            <a:r>
-              <a:rPr kumimoji="1" lang="en-US" altLang="ko-KR" sz="2400" b="1" dirty="0" smtClean="0">
-                <a:solidFill>
-                  <a:srgbClr val="009D4F"/>
-                </a:solidFill>
-                <a:latin typeface="Noto Sans CJK KR Bold" panose="020B0500000000000000" pitchFamily="34" charset="-128"/>
-                <a:ea typeface="Noto Sans CJK KR Bold" panose="020B0500000000000000" pitchFamily="34" charset="-128"/>
-              </a:rPr>
-              <a:t>Robot Motion </a:t>
+              <a:t>2. Robot Motion </a:t>
             </a:r>
             <a:r>
               <a:rPr kumimoji="1" lang="ko-KR" altLang="en-US" sz="2400" b="1" dirty="0" smtClean="0">
@@ -6607,7 +6564,7 @@
           <p:cNvPr id="6" name="TextBox 5">
             <a:extLst>
               <a:ext uri="{FF2B5EF4-FFF2-40B4-BE49-F238E27FC236}">
-                <a16:creationId xmlns:a16="http://schemas.microsoft.com/office/drawing/2014/main" xmlns="" id="{66F1A837-3EF0-CC4C-9E70-66BA9C46692F}"/>
+                <a16:creationId xmlns="" xmlns:a16="http://schemas.microsoft.com/office/drawing/2014/main" id="{66F1A837-3EF0-CC4C-9E70-66BA9C46692F}"/>
               </a:ext>
             </a:extLst>
           </p:cNvPr>
@@ -6697,15 +6654,7 @@
                   <a:srgbClr val="FF0000"/>
                 </a:solidFill>
               </a:rPr>
-              <a:t>Windows </a:t>
-            </a:r>
-            <a:r>
-              <a:rPr lang="en-US" sz="2000" dirty="0" smtClean="0">
-                <a:solidFill>
-                  <a:srgbClr val="FF0000"/>
-                </a:solidFill>
-              </a:rPr>
-              <a:t>10</a:t>
+              <a:t>Windows 10</a:t>
             </a:r>
             <a:r>
               <a:rPr lang="ko-KR" altLang="en-US" sz="2000" dirty="0" smtClean="0">
@@ -7028,20 +6977,7 @@
                 <a:latin typeface="210 옴니고딕 030" panose="02020603020101020101" pitchFamily="18" charset="-127"/>
                 <a:ea typeface="210 옴니고딕 030" panose="02020603020101020101" pitchFamily="18" charset="-127"/>
               </a:rPr>
-              <a:t>리눅스</a:t>
-            </a:r>
-            <a:r>
-              <a:rPr kumimoji="1" lang="ko-KR" altLang="en-US" sz="2000" dirty="0" err="1" smtClean="0">
-                <a:solidFill>
-                  <a:schemeClr val="tx1">
-                    <a:lumMod val="85000"/>
-                    <a:lumOff val="15000"/>
-                  </a:schemeClr>
-                </a:solidFill>
-                <a:latin typeface="210 옴니고딕 030" panose="02020603020101020101" pitchFamily="18" charset="-127"/>
-                <a:ea typeface="210 옴니고딕 030" panose="02020603020101020101" pitchFamily="18" charset="-127"/>
-              </a:rPr>
-              <a:t>환경을</a:t>
+              <a:t>리눅스환경을</a:t>
             </a:r>
             <a:r>
               <a:rPr kumimoji="1" lang="ko-KR" altLang="en-US" sz="2000" dirty="0" smtClean="0">
@@ -7084,20 +7020,7 @@
                 <a:latin typeface="210 옴니고딕 030" panose="02020603020101020101" pitchFamily="18" charset="-127"/>
                 <a:ea typeface="210 옴니고딕 030" panose="02020603020101020101" pitchFamily="18" charset="-127"/>
               </a:rPr>
-              <a:t> </a:t>
-            </a:r>
-            <a:r>
-              <a:rPr kumimoji="1" lang="en-US" altLang="ko-KR" sz="2000" dirty="0" smtClean="0">
-                <a:solidFill>
-                  <a:schemeClr val="tx1">
-                    <a:lumMod val="85000"/>
-                    <a:lumOff val="15000"/>
-                  </a:schemeClr>
-                </a:solidFill>
-                <a:latin typeface="210 옴니고딕 030" panose="02020603020101020101" pitchFamily="18" charset="-127"/>
-                <a:ea typeface="210 옴니고딕 030" panose="02020603020101020101" pitchFamily="18" charset="-127"/>
-              </a:rPr>
-              <a:t> </a:t>
+              <a:t>  </a:t>
             </a:r>
             <a:r>
               <a:rPr kumimoji="1" lang="ko-KR" altLang="en-US" sz="2000" dirty="0" err="1" smtClean="0">
@@ -7192,13 +7115,6 @@
               </a:rPr>
               <a:t> 20.04.4 LTS</a:t>
             </a:r>
-            <a:endParaRPr kumimoji="1" lang="en-US" altLang="ko-KR" sz="2000" dirty="0" smtClean="0">
-              <a:solidFill>
-                <a:srgbClr val="7030A0"/>
-              </a:solidFill>
-              <a:latin typeface="210 옴니고딕 030" panose="02020603020101020101" pitchFamily="18" charset="-127"/>
-              <a:ea typeface="210 옴니고딕 030" panose="02020603020101020101" pitchFamily="18" charset="-127"/>
-            </a:endParaRPr>
           </a:p>
           <a:p>
             <a:pPr marL="514350" indent="-514350">
@@ -7256,7 +7172,7 @@
     </p:spTree>
     <p:extLst>
       <p:ext uri="{BB962C8B-B14F-4D97-AF65-F5344CB8AC3E}">
-        <p14:creationId xmlns:p14="http://schemas.microsoft.com/office/powerpoint/2010/main" xmlns="" val="1062904964"/>
+        <p14:creationId xmlns="" xmlns:p14="http://schemas.microsoft.com/office/powerpoint/2010/main" val="1062904964"/>
       </p:ext>
     </p:extLst>
   </p:cSld>
@@ -7288,7 +7204,7 @@
           <p:cNvPr id="20" name="TextBox 19">
             <a:extLst>
               <a:ext uri="{FF2B5EF4-FFF2-40B4-BE49-F238E27FC236}">
-                <a16:creationId xmlns:a16="http://schemas.microsoft.com/office/drawing/2014/main" xmlns="" id="{BB1F688A-EECA-AD4B-9974-52A755017E57}"/>
+                <a16:creationId xmlns="" xmlns:a16="http://schemas.microsoft.com/office/drawing/2014/main" id="{BB1F688A-EECA-AD4B-9974-52A755017E57}"/>
               </a:ext>
             </a:extLst>
           </p:cNvPr>
@@ -7435,7 +7351,7 @@
     </p:spTree>
     <p:extLst>
       <p:ext uri="{BB962C8B-B14F-4D97-AF65-F5344CB8AC3E}">
-        <p14:creationId xmlns:p14="http://schemas.microsoft.com/office/powerpoint/2010/main" xmlns="" val="1062904964"/>
+        <p14:creationId xmlns="" xmlns:p14="http://schemas.microsoft.com/office/powerpoint/2010/main" val="1062904964"/>
       </p:ext>
     </p:extLst>
   </p:cSld>
@@ -7467,7 +7383,7 @@
           <p:cNvPr id="20" name="TextBox 19">
             <a:extLst>
               <a:ext uri="{FF2B5EF4-FFF2-40B4-BE49-F238E27FC236}">
-                <a16:creationId xmlns:a16="http://schemas.microsoft.com/office/drawing/2014/main" xmlns="" id="{BB1F688A-EECA-AD4B-9974-52A755017E57}"/>
+                <a16:creationId xmlns="" xmlns:a16="http://schemas.microsoft.com/office/drawing/2014/main" id="{BB1F688A-EECA-AD4B-9974-52A755017E57}"/>
               </a:ext>
             </a:extLst>
           </p:cNvPr>
@@ -7590,7 +7506,7 @@
           <p:cNvPr id="6" name="TextBox 5">
             <a:extLst>
               <a:ext uri="{FF2B5EF4-FFF2-40B4-BE49-F238E27FC236}">
-                <a16:creationId xmlns:a16="http://schemas.microsoft.com/office/drawing/2014/main" xmlns="" id="{66F1A837-3EF0-CC4C-9E70-66BA9C46692F}"/>
+                <a16:creationId xmlns="" xmlns:a16="http://schemas.microsoft.com/office/drawing/2014/main" id="{66F1A837-3EF0-CC4C-9E70-66BA9C46692F}"/>
               </a:ext>
             </a:extLst>
           </p:cNvPr>
@@ -7781,7 +7697,7 @@
           <p:cNvPr id="13" name="TextBox 12">
             <a:extLst>
               <a:ext uri="{FF2B5EF4-FFF2-40B4-BE49-F238E27FC236}">
-                <a16:creationId xmlns:a16="http://schemas.microsoft.com/office/drawing/2014/main" xmlns="" id="{66F1A837-3EF0-CC4C-9E70-66BA9C46692F}"/>
+                <a16:creationId xmlns="" xmlns:a16="http://schemas.microsoft.com/office/drawing/2014/main" id="{66F1A837-3EF0-CC4C-9E70-66BA9C46692F}"/>
               </a:ext>
             </a:extLst>
           </p:cNvPr>
@@ -7910,7 +7826,7 @@
     </p:spTree>
     <p:extLst>
       <p:ext uri="{BB962C8B-B14F-4D97-AF65-F5344CB8AC3E}">
-        <p14:creationId xmlns:p14="http://schemas.microsoft.com/office/powerpoint/2010/main" xmlns="" val="1062904964"/>
+        <p14:creationId xmlns="" xmlns:p14="http://schemas.microsoft.com/office/powerpoint/2010/main" val="1062904964"/>
       </p:ext>
     </p:extLst>
   </p:cSld>
@@ -7942,7 +7858,7 @@
           <p:cNvPr id="20" name="TextBox 19">
             <a:extLst>
               <a:ext uri="{FF2B5EF4-FFF2-40B4-BE49-F238E27FC236}">
-                <a16:creationId xmlns:a16="http://schemas.microsoft.com/office/drawing/2014/main" xmlns="" id="{BB1F688A-EECA-AD4B-9974-52A755017E57}"/>
+                <a16:creationId xmlns="" xmlns:a16="http://schemas.microsoft.com/office/drawing/2014/main" id="{BB1F688A-EECA-AD4B-9974-52A755017E57}"/>
               </a:ext>
             </a:extLst>
           </p:cNvPr>
@@ -8065,7 +7981,7 @@
           <p:cNvPr id="6" name="TextBox 5">
             <a:extLst>
               <a:ext uri="{FF2B5EF4-FFF2-40B4-BE49-F238E27FC236}">
-                <a16:creationId xmlns:a16="http://schemas.microsoft.com/office/drawing/2014/main" xmlns="" id="{66F1A837-3EF0-CC4C-9E70-66BA9C46692F}"/>
+                <a16:creationId xmlns="" xmlns:a16="http://schemas.microsoft.com/office/drawing/2014/main" id="{66F1A837-3EF0-CC4C-9E70-66BA9C46692F}"/>
               </a:ext>
             </a:extLst>
           </p:cNvPr>
@@ -8218,7 +8134,7 @@
           <p:cNvPr id="13" name="TextBox 12">
             <a:extLst>
               <a:ext uri="{FF2B5EF4-FFF2-40B4-BE49-F238E27FC236}">
-                <a16:creationId xmlns:a16="http://schemas.microsoft.com/office/drawing/2014/main" xmlns="" id="{66F1A837-3EF0-CC4C-9E70-66BA9C46692F}"/>
+                <a16:creationId xmlns="" xmlns:a16="http://schemas.microsoft.com/office/drawing/2014/main" id="{66F1A837-3EF0-CC4C-9E70-66BA9C46692F}"/>
               </a:ext>
             </a:extLst>
           </p:cNvPr>
@@ -8364,7 +8280,7 @@
     </p:spTree>
     <p:extLst>
       <p:ext uri="{BB962C8B-B14F-4D97-AF65-F5344CB8AC3E}">
-        <p14:creationId xmlns:p14="http://schemas.microsoft.com/office/powerpoint/2010/main" xmlns="" val="1062904964"/>
+        <p14:creationId xmlns="" xmlns:p14="http://schemas.microsoft.com/office/powerpoint/2010/main" val="1062904964"/>
       </p:ext>
     </p:extLst>
   </p:cSld>
@@ -8396,7 +8312,7 @@
           <p:cNvPr id="20" name="TextBox 19">
             <a:extLst>
               <a:ext uri="{FF2B5EF4-FFF2-40B4-BE49-F238E27FC236}">
-                <a16:creationId xmlns:a16="http://schemas.microsoft.com/office/drawing/2014/main" xmlns="" id="{BB1F688A-EECA-AD4B-9974-52A755017E57}"/>
+                <a16:creationId xmlns="" xmlns:a16="http://schemas.microsoft.com/office/drawing/2014/main" id="{BB1F688A-EECA-AD4B-9974-52A755017E57}"/>
               </a:ext>
             </a:extLst>
           </p:cNvPr>
@@ -8459,7 +8375,7 @@
           <p:cNvPr id="5" name="TextBox 4">
             <a:extLst>
               <a:ext uri="{FF2B5EF4-FFF2-40B4-BE49-F238E27FC236}">
-                <a16:creationId xmlns:a16="http://schemas.microsoft.com/office/drawing/2014/main" xmlns="" id="{46063DD2-9B38-F147-A0DC-464FBEA0D179}"/>
+                <a16:creationId xmlns="" xmlns:a16="http://schemas.microsoft.com/office/drawing/2014/main" id="{46063DD2-9B38-F147-A0DC-464FBEA0D179}"/>
               </a:ext>
             </a:extLst>
           </p:cNvPr>
@@ -8469,7 +8385,7 @@
         <p:spPr>
           <a:xfrm>
             <a:off x="479424" y="1601430"/>
-            <a:ext cx="11083925" cy="1579920"/>
+            <a:ext cx="11083925" cy="2605842"/>
           </a:xfrm>
           <a:prstGeom prst="rect">
             <a:avLst/>
@@ -8492,6 +8408,7 @@
               <a:spcAft>
                 <a:spcPts val="160"/>
               </a:spcAft>
+              <a:buAutoNum type="arabicPeriod"/>
             </a:pPr>
             <a:r>
               <a:rPr kumimoji="1" lang="en-US" altLang="ko-KR" sz="2000" b="1" dirty="0" smtClean="0">
@@ -8501,7 +8418,7 @@
                 <a:latin typeface="Noto Sans CJK KR Regular" panose="020B0500000000000000" pitchFamily="34" charset="-128"/>
                 <a:ea typeface="Noto Sans CJK KR Regular" panose="020B0500000000000000" pitchFamily="34" charset="-128"/>
               </a:rPr>
-              <a:t>1.   ROS </a:t>
+              <a:t>ROS </a:t>
             </a:r>
             <a:r>
               <a:rPr kumimoji="1" lang="ko-KR" altLang="en-US" sz="2000" b="1" dirty="0" smtClean="0">
@@ -8512,6 +8429,68 @@
                 <a:ea typeface="Noto Sans CJK KR Regular" panose="020B0500000000000000" pitchFamily="34" charset="-128"/>
               </a:rPr>
               <a:t>학습</a:t>
+            </a:r>
+            <a:endParaRPr kumimoji="1" lang="en-US" altLang="ko-KR" sz="2000" b="1" dirty="0" smtClean="0">
+              <a:solidFill>
+                <a:srgbClr val="009D4F"/>
+              </a:solidFill>
+              <a:latin typeface="Noto Sans CJK KR Regular" panose="020B0500000000000000" pitchFamily="34" charset="-128"/>
+              <a:ea typeface="Noto Sans CJK KR Regular" panose="020B0500000000000000" pitchFamily="34" charset="-128"/>
+            </a:endParaRPr>
+          </a:p>
+          <a:p>
+            <a:pPr marL="457200" indent="-457200">
+              <a:lnSpc>
+                <a:spcPct val="150000"/>
+              </a:lnSpc>
+              <a:spcBef>
+                <a:spcPts val="160"/>
+              </a:spcBef>
+              <a:spcAft>
+                <a:spcPts val="160"/>
+              </a:spcAft>
+              <a:buAutoNum type="arabicPeriod"/>
+            </a:pPr>
+            <a:endParaRPr kumimoji="1" lang="en-US" altLang="ko-KR" sz="2000" b="1" dirty="0" smtClean="0">
+              <a:solidFill>
+                <a:srgbClr val="009D4F"/>
+              </a:solidFill>
+              <a:latin typeface="Noto Sans CJK KR Regular" panose="020B0500000000000000" pitchFamily="34" charset="-128"/>
+              <a:ea typeface="Noto Sans CJK KR Regular" panose="020B0500000000000000" pitchFamily="34" charset="-128"/>
+            </a:endParaRPr>
+          </a:p>
+          <a:p>
+            <a:pPr marL="457200" indent="-457200">
+              <a:lnSpc>
+                <a:spcPct val="150000"/>
+              </a:lnSpc>
+              <a:spcBef>
+                <a:spcPts val="160"/>
+              </a:spcBef>
+              <a:spcAft>
+                <a:spcPts val="160"/>
+              </a:spcAft>
+              <a:buAutoNum type="arabicPeriod"/>
+            </a:pPr>
+            <a:r>
+              <a:rPr kumimoji="1" lang="en-US" altLang="ko-KR" sz="2000" b="1" dirty="0" smtClean="0">
+                <a:solidFill>
+                  <a:srgbClr val="009D4F"/>
+                </a:solidFill>
+                <a:latin typeface="Noto Sans CJK KR Regular" panose="020B0500000000000000" pitchFamily="34" charset="-128"/>
+                <a:ea typeface="Noto Sans CJK KR Regular" panose="020B0500000000000000" pitchFamily="34" charset="-128"/>
+              </a:rPr>
+              <a:t>OPC-UA </a:t>
+            </a:r>
+            <a:r>
+              <a:rPr kumimoji="1" lang="ko-KR" altLang="en-US" sz="2000" b="1" dirty="0" smtClean="0">
+                <a:solidFill>
+                  <a:srgbClr val="009D4F"/>
+                </a:solidFill>
+                <a:latin typeface="Noto Sans CJK KR Regular" panose="020B0500000000000000" pitchFamily="34" charset="-128"/>
+                <a:ea typeface="Noto Sans CJK KR Regular" panose="020B0500000000000000" pitchFamily="34" charset="-128"/>
+              </a:rPr>
+              <a:t>탐색 및 분석</a:t>
             </a:r>
             <a:endParaRPr kumimoji="1" lang="en-US" altLang="ko-KR" sz="2000" b="1" dirty="0" smtClean="0">
               <a:solidFill>
@@ -8554,14 +8533,34 @@
               </a:spcAft>
             </a:pPr>
             <a:r>
-              <a:rPr kumimoji="1" lang="en-US" altLang="ko-KR" sz="2000" b="1" dirty="0" smtClean="0">
+              <a:rPr kumimoji="1" lang="en-US" altLang="ko-KR" sz="2000" b="1" smtClean="0">
                 <a:solidFill>
                   <a:srgbClr val="009D4F"/>
                 </a:solidFill>
                 <a:latin typeface="Noto Sans CJK KR Regular" panose="020B0500000000000000" pitchFamily="34" charset="-128"/>
                 <a:ea typeface="Noto Sans CJK KR Regular" panose="020B0500000000000000" pitchFamily="34" charset="-128"/>
               </a:rPr>
-              <a:t>2.   Robot motion Unity </a:t>
+              <a:t>3.  </a:t>
+            </a:r>
+            <a:r>
+              <a:rPr kumimoji="1" lang="en-US" altLang="ko-KR" sz="2000" b="1" smtClean="0">
+                <a:solidFill>
+                  <a:srgbClr val="009D4F"/>
+                </a:solidFill>
+                <a:latin typeface="Noto Sans CJK KR Regular" panose="020B0500000000000000" pitchFamily="34" charset="-128"/>
+                <a:ea typeface="Noto Sans CJK KR Regular" panose="020B0500000000000000" pitchFamily="34" charset="-128"/>
+              </a:rPr>
+              <a:t>  </a:t>
+            </a:r>
+            <a:r>
+              <a:rPr kumimoji="1" lang="en-US" altLang="ko-KR" sz="2000" b="1" dirty="0" smtClean="0">
+                <a:solidFill>
+                  <a:srgbClr val="009D4F"/>
+                </a:solidFill>
+                <a:latin typeface="Noto Sans CJK KR Regular" panose="020B0500000000000000" pitchFamily="34" charset="-128"/>
+                <a:ea typeface="Noto Sans CJK KR Regular" panose="020B0500000000000000" pitchFamily="34" charset="-128"/>
+              </a:rPr>
+              <a:t>Robot motion Unity </a:t>
             </a:r>
             <a:r>
               <a:rPr kumimoji="1" lang="en-US" altLang="ko-KR" sz="2000" b="1" dirty="0" err="1" smtClean="0">
@@ -8606,7 +8605,7 @@
     </p:spTree>
     <p:extLst>
       <p:ext uri="{BB962C8B-B14F-4D97-AF65-F5344CB8AC3E}">
-        <p14:creationId xmlns:p14="http://schemas.microsoft.com/office/powerpoint/2010/main" xmlns="" val="1062904964"/>
+        <p14:creationId xmlns="" xmlns:p14="http://schemas.microsoft.com/office/powerpoint/2010/main" val="1062904964"/>
       </p:ext>
     </p:extLst>
   </p:cSld>
@@ -8905,7 +8904,7 @@
   <a:extraClrSchemeLst/>
   <a:extLst>
     <a:ext uri="{05A4C25C-085E-4340-85A3-A5531E510DB2}">
-      <thm15:themeFamily xmlns:thm15="http://schemas.microsoft.com/office/thememl/2012/main" xmlns="" name="Office Theme" id="{62F939B6-93AF-4DB8-9C6B-D6C7DFDC589F}" vid="{4A3C46E8-61CC-4603-A589-7422A47A8E4A}"/>
+      <thm15:themeFamily xmlns="" xmlns:thm15="http://schemas.microsoft.com/office/thememl/2012/main" name="Office Theme" id="{62F939B6-93AF-4DB8-9C6B-D6C7DFDC589F}" vid="{4A3C46E8-61CC-4603-A589-7422A47A8E4A}"/>
     </a:ext>
   </a:extLst>
 </a:theme>
@@ -9200,7 +9199,7 @@
   <a:extraClrSchemeLst/>
   <a:extLst>
     <a:ext uri="{05A4C25C-085E-4340-85A3-A5531E510DB2}">
-      <thm15:themeFamily xmlns:thm15="http://schemas.microsoft.com/office/thememl/2012/main" xmlns="" name="Office Theme" id="{62F939B6-93AF-4DB8-9C6B-D6C7DFDC589F}" vid="{4A3C46E8-61CC-4603-A589-7422A47A8E4A}"/>
+      <thm15:themeFamily xmlns="" xmlns:thm15="http://schemas.microsoft.com/office/thememl/2012/main" name="Office Theme" id="{62F939B6-93AF-4DB8-9C6B-D6C7DFDC589F}" vid="{4A3C46E8-61CC-4603-A589-7422A47A8E4A}"/>
     </a:ext>
   </a:extLst>
 </a:theme>
